--- a/Presentation.pptx
+++ b/Presentation.pptx
@@ -6,11 +6,12 @@
   </p:sldMasterIdLst>
   <p:sldIdLst>
     <p:sldId id="259" r:id="rId2"/>
-    <p:sldId id="260" r:id="rId3"/>
-    <p:sldId id="261" r:id="rId4"/>
-    <p:sldId id="264" r:id="rId5"/>
-    <p:sldId id="262" r:id="rId6"/>
-    <p:sldId id="263" r:id="rId7"/>
+    <p:sldId id="265" r:id="rId3"/>
+    <p:sldId id="260" r:id="rId4"/>
+    <p:sldId id="261" r:id="rId5"/>
+    <p:sldId id="264" r:id="rId6"/>
+    <p:sldId id="262" r:id="rId7"/>
+    <p:sldId id="263" r:id="rId8"/>
   </p:sldIdLst>
   <p:sldSz cx="12192000" cy="6858000"/>
   <p:notesSz cx="6858000" cy="9144000"/>
@@ -109,6 +110,11 @@
       </a:defRPr>
     </a:lvl9pPr>
   </p:defaultTextStyle>
+  <p:extLst>
+    <p:ext uri="{EFAFB233-063F-42B5-8137-9DF3F51BA10A}">
+      <p15:sldGuideLst xmlns:p15="http://schemas.microsoft.com/office/powerpoint/2012/main"/>
+    </p:ext>
+  </p:extLst>
 </p:presentation>
 </file>
 
@@ -3823,6 +3829,295 @@
           </a:p>
         </p:txBody>
       </p:sp>
+      <p:sp>
+        <p:nvSpPr>
+          <p:cNvPr id="8" name="TextBox 7"/>
+          <p:cNvSpPr txBox="1"/>
+          <p:nvPr/>
+        </p:nvSpPr>
+        <p:spPr>
+          <a:xfrm>
+            <a:off x="4194681" y="2112720"/>
+            <a:ext cx="3869136" cy="1200329"/>
+          </a:xfrm>
+          <a:prstGeom prst="rect">
+            <a:avLst/>
+          </a:prstGeom>
+          <a:noFill/>
+        </p:spPr>
+        <p:txBody>
+          <a:bodyPr wrap="none" rtlCol="0">
+            <a:spAutoFit/>
+          </a:bodyPr>
+          <a:lstStyle/>
+          <a:p>
+            <a:r>
+              <a:rPr lang="en-US" sz="7200" b="1" dirty="0" smtClean="0"/>
+              <a:t>Team - 20</a:t>
+            </a:r>
+            <a:endParaRPr lang="en-US" sz="7200" b="1" dirty="0"/>
+          </a:p>
+        </p:txBody>
+      </p:sp>
+      <p:sp>
+        <p:nvSpPr>
+          <p:cNvPr id="9" name="TextBox 8"/>
+          <p:cNvSpPr txBox="1"/>
+          <p:nvPr/>
+        </p:nvSpPr>
+        <p:spPr>
+          <a:xfrm>
+            <a:off x="2047236" y="4308231"/>
+            <a:ext cx="3587262" cy="1200329"/>
+          </a:xfrm>
+          <a:prstGeom prst="rect">
+            <a:avLst/>
+          </a:prstGeom>
+          <a:noFill/>
+        </p:spPr>
+        <p:txBody>
+          <a:bodyPr wrap="square" rtlCol="0">
+            <a:spAutoFit/>
+          </a:bodyPr>
+          <a:lstStyle/>
+          <a:p>
+            <a:pPr marL="342900" indent="-342900">
+              <a:buFont typeface="Arial" charset="0"/>
+              <a:buChar char="•"/>
+            </a:pPr>
+            <a:r>
+              <a:rPr lang="en-US" sz="2400" dirty="0" smtClean="0"/>
+              <a:t>Dattamber </a:t>
+            </a:r>
+            <a:r>
+              <a:rPr lang="en-US" sz="2400" dirty="0" err="1" smtClean="0"/>
+              <a:t>Jukanti</a:t>
+            </a:r>
+            <a:endParaRPr lang="en-US" sz="2400" dirty="0" smtClean="0"/>
+          </a:p>
+          <a:p>
+            <a:pPr marL="342900" indent="-342900">
+              <a:buFont typeface="Arial" charset="0"/>
+              <a:buChar char="•"/>
+            </a:pPr>
+            <a:r>
+              <a:rPr lang="en-US" sz="2400" dirty="0" err="1" smtClean="0"/>
+              <a:t>Saiyana</a:t>
+            </a:r>
+            <a:r>
+              <a:rPr lang="en-US" sz="2400" dirty="0" smtClean="0"/>
+              <a:t> </a:t>
+            </a:r>
+            <a:r>
+              <a:rPr lang="en-US" sz="2400" dirty="0" err="1" smtClean="0"/>
+              <a:t>Ramisetty</a:t>
+            </a:r>
+            <a:endParaRPr lang="en-US" sz="2400" dirty="0" smtClean="0"/>
+          </a:p>
+          <a:p>
+            <a:pPr marL="342900" indent="-342900">
+              <a:buFont typeface="Arial" charset="0"/>
+              <a:buChar char="•"/>
+            </a:pPr>
+            <a:r>
+              <a:rPr lang="en-US" sz="2400" dirty="0" err="1" smtClean="0"/>
+              <a:t>Chandana</a:t>
+            </a:r>
+            <a:r>
+              <a:rPr lang="en-US" sz="2400" dirty="0" smtClean="0"/>
+              <a:t> </a:t>
+            </a:r>
+            <a:r>
+              <a:rPr lang="en-US" sz="2400" dirty="0" err="1" smtClean="0"/>
+              <a:t>Rayini</a:t>
+            </a:r>
+            <a:endParaRPr lang="en-US" sz="2400" dirty="0" smtClean="0"/>
+          </a:p>
+        </p:txBody>
+      </p:sp>
+      <p:sp>
+        <p:nvSpPr>
+          <p:cNvPr id="10" name="TextBox 9"/>
+          <p:cNvSpPr txBox="1"/>
+          <p:nvPr/>
+        </p:nvSpPr>
+        <p:spPr>
+          <a:xfrm>
+            <a:off x="6624000" y="4308231"/>
+            <a:ext cx="3587262" cy="1200329"/>
+          </a:xfrm>
+          <a:prstGeom prst="rect">
+            <a:avLst/>
+          </a:prstGeom>
+          <a:noFill/>
+        </p:spPr>
+        <p:txBody>
+          <a:bodyPr wrap="square" rtlCol="0">
+            <a:spAutoFit/>
+          </a:bodyPr>
+          <a:lstStyle/>
+          <a:p>
+            <a:pPr marL="342900" indent="-342900">
+              <a:buFont typeface="Arial" charset="0"/>
+              <a:buChar char="•"/>
+            </a:pPr>
+            <a:r>
+              <a:rPr lang="en-US" sz="2400" dirty="0" smtClean="0"/>
+              <a:t>Dattamber </a:t>
+            </a:r>
+            <a:r>
+              <a:rPr lang="en-US" sz="2400" dirty="0" err="1" smtClean="0"/>
+              <a:t>Jukanti</a:t>
+            </a:r>
+            <a:endParaRPr lang="en-US" sz="2400" dirty="0" smtClean="0"/>
+          </a:p>
+          <a:p>
+            <a:pPr marL="342900" indent="-342900">
+              <a:buFont typeface="Arial" charset="0"/>
+              <a:buChar char="•"/>
+            </a:pPr>
+            <a:r>
+              <a:rPr lang="en-US" sz="2400" dirty="0" err="1" smtClean="0"/>
+              <a:t>Saiyana</a:t>
+            </a:r>
+            <a:r>
+              <a:rPr lang="en-US" sz="2400" dirty="0" smtClean="0"/>
+              <a:t> </a:t>
+            </a:r>
+            <a:r>
+              <a:rPr lang="en-US" sz="2400" dirty="0" err="1" smtClean="0"/>
+              <a:t>Ramisetty</a:t>
+            </a:r>
+            <a:endParaRPr lang="en-US" sz="2400" dirty="0" smtClean="0"/>
+          </a:p>
+          <a:p>
+            <a:pPr marL="342900" indent="-342900">
+              <a:buFont typeface="Arial" charset="0"/>
+              <a:buChar char="•"/>
+            </a:pPr>
+            <a:r>
+              <a:rPr lang="en-US" sz="2400" dirty="0" err="1" smtClean="0"/>
+              <a:t>Chandana</a:t>
+            </a:r>
+            <a:r>
+              <a:rPr lang="en-US" sz="2400" dirty="0" smtClean="0"/>
+              <a:t> </a:t>
+            </a:r>
+            <a:r>
+              <a:rPr lang="en-US" sz="2400" dirty="0" err="1" smtClean="0"/>
+              <a:t>Rayini</a:t>
+            </a:r>
+            <a:endParaRPr lang="en-US" sz="2400" dirty="0" smtClean="0"/>
+          </a:p>
+        </p:txBody>
+      </p:sp>
+    </p:spTree>
+    <p:extLst>
+      <p:ext uri="{BB962C8B-B14F-4D97-AF65-F5344CB8AC3E}">
+        <p14:creationId xmlns:p14="http://schemas.microsoft.com/office/powerpoint/2010/main" val="321473703"/>
+      </p:ext>
+    </p:extLst>
+  </p:cSld>
+  <p:clrMapOvr>
+    <a:masterClrMapping/>
+  </p:clrMapOvr>
+  <p:timing>
+    <p:tnLst>
+      <p:par>
+        <p:cTn id="1" dur="indefinite" restart="never" nodeType="tmRoot"/>
+      </p:par>
+    </p:tnLst>
+  </p:timing>
+</p:sld>
+</file>
+
+<file path=ppt/slides/slide2.xml><?xml version="1.0" encoding="utf-8"?>
+<p:sld xmlns:a="http://schemas.openxmlformats.org/drawingml/2006/main" xmlns:r="http://schemas.openxmlformats.org/officeDocument/2006/relationships" xmlns:p="http://schemas.openxmlformats.org/presentationml/2006/main">
+  <p:cSld>
+    <p:spTree>
+      <p:nvGrpSpPr>
+        <p:cNvPr id="1" name=""/>
+        <p:cNvGrpSpPr/>
+        <p:nvPr/>
+      </p:nvGrpSpPr>
+      <p:grpSpPr>
+        <a:xfrm>
+          <a:off x="0" y="0"/>
+          <a:ext cx="0" cy="0"/>
+          <a:chOff x="0" y="0"/>
+          <a:chExt cx="0" cy="0"/>
+        </a:xfrm>
+      </p:grpSpPr>
+      <p:sp>
+        <p:nvSpPr>
+          <p:cNvPr id="2" name="Rectangle 1"/>
+          <p:cNvSpPr/>
+          <p:nvPr/>
+        </p:nvSpPr>
+        <p:spPr>
+          <a:xfrm>
+            <a:off x="3857317" y="928468"/>
+            <a:ext cx="4543865" cy="98474"/>
+          </a:xfrm>
+          <a:prstGeom prst="rect">
+            <a:avLst/>
+          </a:prstGeom>
+        </p:spPr>
+        <p:style>
+          <a:lnRef idx="2">
+            <a:schemeClr val="accent1">
+              <a:shade val="50000"/>
+            </a:schemeClr>
+          </a:lnRef>
+          <a:fillRef idx="1">
+            <a:schemeClr val="accent1"/>
+          </a:fillRef>
+          <a:effectRef idx="0">
+            <a:schemeClr val="accent1"/>
+          </a:effectRef>
+          <a:fontRef idx="minor">
+            <a:schemeClr val="lt1"/>
+          </a:fontRef>
+        </p:style>
+        <p:txBody>
+          <a:bodyPr rtlCol="0" anchor="ctr"/>
+          <a:lstStyle/>
+          <a:p>
+            <a:pPr algn="ctr"/>
+            <a:endParaRPr lang="en-US"/>
+          </a:p>
+        </p:txBody>
+      </p:sp>
+      <p:sp>
+        <p:nvSpPr>
+          <p:cNvPr id="4" name="TextBox 3"/>
+          <p:cNvSpPr txBox="1"/>
+          <p:nvPr/>
+        </p:nvSpPr>
+        <p:spPr>
+          <a:xfrm>
+            <a:off x="5634498" y="220582"/>
+            <a:ext cx="989502" cy="707886"/>
+          </a:xfrm>
+          <a:prstGeom prst="rect">
+            <a:avLst/>
+          </a:prstGeom>
+          <a:noFill/>
+        </p:spPr>
+        <p:txBody>
+          <a:bodyPr wrap="none" rtlCol="0">
+            <a:spAutoFit/>
+          </a:bodyPr>
+          <a:lstStyle/>
+          <a:p>
+            <a:r>
+              <a:rPr lang="en-US" sz="4000" b="1" dirty="0" smtClean="0"/>
+              <a:t>FAB</a:t>
+            </a:r>
+            <a:endParaRPr lang="en-US" sz="4000" b="1" dirty="0"/>
+          </a:p>
+        </p:txBody>
+      </p:sp>
       <p:pic>
         <p:nvPicPr>
           <p:cNvPr id="5" name="Picture 4"/>
@@ -3886,17 +4181,24 @@
     </p:spTree>
     <p:extLst>
       <p:ext uri="{BB962C8B-B14F-4D97-AF65-F5344CB8AC3E}">
-        <p14:creationId xmlns:p14="http://schemas.microsoft.com/office/powerpoint/2010/main" val="321473703"/>
+        <p14:creationId xmlns:p14="http://schemas.microsoft.com/office/powerpoint/2010/main" val="933872113"/>
       </p:ext>
     </p:extLst>
   </p:cSld>
   <p:clrMapOvr>
     <a:masterClrMapping/>
   </p:clrMapOvr>
+  <p:timing>
+    <p:tnLst>
+      <p:par>
+        <p:cTn id="1" dur="indefinite" restart="never" nodeType="tmRoot"/>
+      </p:par>
+    </p:tnLst>
+  </p:timing>
 </p:sld>
 </file>
 
-<file path=ppt/slides/slide2.xml><?xml version="1.0" encoding="utf-8"?>
+<file path=ppt/slides/slide3.xml><?xml version="1.0" encoding="utf-8"?>
 <p:sld xmlns:a="http://schemas.openxmlformats.org/drawingml/2006/main" xmlns:r="http://schemas.openxmlformats.org/officeDocument/2006/relationships" xmlns:p="http://schemas.openxmlformats.org/presentationml/2006/main">
   <p:cSld>
     <p:spTree>
@@ -4053,10 +4355,17 @@
   <p:clrMapOvr>
     <a:masterClrMapping/>
   </p:clrMapOvr>
+  <p:timing>
+    <p:tnLst>
+      <p:par>
+        <p:cTn id="1" dur="indefinite" restart="never" nodeType="tmRoot"/>
+      </p:par>
+    </p:tnLst>
+  </p:timing>
 </p:sld>
 </file>
 
-<file path=ppt/slides/slide3.xml><?xml version="1.0" encoding="utf-8"?>
+<file path=ppt/slides/slide4.xml><?xml version="1.0" encoding="utf-8"?>
 <p:sld xmlns:a="http://schemas.openxmlformats.org/drawingml/2006/main" xmlns:r="http://schemas.openxmlformats.org/officeDocument/2006/relationships" xmlns:p="http://schemas.openxmlformats.org/presentationml/2006/main">
   <p:cSld>
     <p:spTree>
@@ -4213,10 +4522,17 @@
   <p:clrMapOvr>
     <a:masterClrMapping/>
   </p:clrMapOvr>
+  <p:timing>
+    <p:tnLst>
+      <p:par>
+        <p:cTn id="1" dur="indefinite" restart="never" nodeType="tmRoot"/>
+      </p:par>
+    </p:tnLst>
+  </p:timing>
 </p:sld>
 </file>
 
-<file path=ppt/slides/slide4.xml><?xml version="1.0" encoding="utf-8"?>
+<file path=ppt/slides/slide5.xml><?xml version="1.0" encoding="utf-8"?>
 <p:sld xmlns:a="http://schemas.openxmlformats.org/drawingml/2006/main" xmlns:r="http://schemas.openxmlformats.org/officeDocument/2006/relationships" xmlns:p="http://schemas.openxmlformats.org/presentationml/2006/main">
   <p:cSld>
     <p:spTree>
@@ -4373,10 +4689,17 @@
   <p:clrMapOvr>
     <a:masterClrMapping/>
   </p:clrMapOvr>
+  <p:timing>
+    <p:tnLst>
+      <p:par>
+        <p:cTn id="1" dur="indefinite" restart="never" nodeType="tmRoot"/>
+      </p:par>
+    </p:tnLst>
+  </p:timing>
 </p:sld>
 </file>
 
-<file path=ppt/slides/slide5.xml><?xml version="1.0" encoding="utf-8"?>
+<file path=ppt/slides/slide6.xml><?xml version="1.0" encoding="utf-8"?>
 <p:sld xmlns:a="http://schemas.openxmlformats.org/drawingml/2006/main" xmlns:r="http://schemas.openxmlformats.org/officeDocument/2006/relationships" xmlns:p="http://schemas.openxmlformats.org/presentationml/2006/main">
   <p:cSld>
     <p:spTree>
@@ -4533,10 +4856,17 @@
   <p:clrMapOvr>
     <a:masterClrMapping/>
   </p:clrMapOvr>
+  <p:timing>
+    <p:tnLst>
+      <p:par>
+        <p:cTn id="1" dur="indefinite" restart="never" nodeType="tmRoot"/>
+      </p:par>
+    </p:tnLst>
+  </p:timing>
 </p:sld>
 </file>
 
-<file path=ppt/slides/slide6.xml><?xml version="1.0" encoding="utf-8"?>
+<file path=ppt/slides/slide7.xml><?xml version="1.0" encoding="utf-8"?>
 <p:sld xmlns:a="http://schemas.openxmlformats.org/drawingml/2006/main" xmlns:r="http://schemas.openxmlformats.org/officeDocument/2006/relationships" xmlns:p="http://schemas.openxmlformats.org/presentationml/2006/main">
   <p:cSld>
     <p:spTree>
@@ -4697,6 +5027,13 @@
   <p:clrMapOvr>
     <a:masterClrMapping/>
   </p:clrMapOvr>
+  <p:timing>
+    <p:tnLst>
+      <p:par>
+        <p:cTn id="1" dur="indefinite" restart="never" nodeType="tmRoot"/>
+      </p:par>
+    </p:tnLst>
+  </p:timing>
 </p:sld>
 </file>
 
